--- a/requisitos/mapa_mental.pptx
+++ b/requisitos/mapa_mental.pptx
@@ -105,6 +105,11 @@
       </a:defRPr>
     </a:lvl9pPr>
   </p:defaultTextStyle>
+  <p:extLst>
+    <p:ext uri="{EFAFB233-063F-42B5-8137-9DF3F51BA10A}">
+      <p15:sldGuideLst xmlns:p15="http://schemas.microsoft.com/office/powerpoint/2012/main"/>
+    </p:ext>
+  </p:extLst>
 </p:presentation>
 </file>
 
@@ -255,7 +260,7 @@
           <a:p>
             <a:fld id="{7F5A276C-EDCD-E64D-9DBD-6CF9D27BD221}" type="datetimeFigureOut">
               <a:rPr lang="pt-BR" smtClean="0"/>
-              <a:t>26/03/2020</a:t>
+              <a:t>02/04/2020</a:t>
             </a:fld>
             <a:endParaRPr lang="pt-BR"/>
           </a:p>
@@ -453,7 +458,7 @@
           <a:p>
             <a:fld id="{7F5A276C-EDCD-E64D-9DBD-6CF9D27BD221}" type="datetimeFigureOut">
               <a:rPr lang="pt-BR" smtClean="0"/>
-              <a:t>26/03/2020</a:t>
+              <a:t>02/04/2020</a:t>
             </a:fld>
             <a:endParaRPr lang="pt-BR"/>
           </a:p>
@@ -661,7 +666,7 @@
           <a:p>
             <a:fld id="{7F5A276C-EDCD-E64D-9DBD-6CF9D27BD221}" type="datetimeFigureOut">
               <a:rPr lang="pt-BR" smtClean="0"/>
-              <a:t>26/03/2020</a:t>
+              <a:t>02/04/2020</a:t>
             </a:fld>
             <a:endParaRPr lang="pt-BR"/>
           </a:p>
@@ -859,7 +864,7 @@
           <a:p>
             <a:fld id="{7F5A276C-EDCD-E64D-9DBD-6CF9D27BD221}" type="datetimeFigureOut">
               <a:rPr lang="pt-BR" smtClean="0"/>
-              <a:t>26/03/2020</a:t>
+              <a:t>02/04/2020</a:t>
             </a:fld>
             <a:endParaRPr lang="pt-BR"/>
           </a:p>
@@ -1134,7 +1139,7 @@
           <a:p>
             <a:fld id="{7F5A276C-EDCD-E64D-9DBD-6CF9D27BD221}" type="datetimeFigureOut">
               <a:rPr lang="pt-BR" smtClean="0"/>
-              <a:t>26/03/2020</a:t>
+              <a:t>02/04/2020</a:t>
             </a:fld>
             <a:endParaRPr lang="pt-BR"/>
           </a:p>
@@ -1399,7 +1404,7 @@
           <a:p>
             <a:fld id="{7F5A276C-EDCD-E64D-9DBD-6CF9D27BD221}" type="datetimeFigureOut">
               <a:rPr lang="pt-BR" smtClean="0"/>
-              <a:t>26/03/2020</a:t>
+              <a:t>02/04/2020</a:t>
             </a:fld>
             <a:endParaRPr lang="pt-BR"/>
           </a:p>
@@ -1811,7 +1816,7 @@
           <a:p>
             <a:fld id="{7F5A276C-EDCD-E64D-9DBD-6CF9D27BD221}" type="datetimeFigureOut">
               <a:rPr lang="pt-BR" smtClean="0"/>
-              <a:t>26/03/2020</a:t>
+              <a:t>02/04/2020</a:t>
             </a:fld>
             <a:endParaRPr lang="pt-BR"/>
           </a:p>
@@ -1952,7 +1957,7 @@
           <a:p>
             <a:fld id="{7F5A276C-EDCD-E64D-9DBD-6CF9D27BD221}" type="datetimeFigureOut">
               <a:rPr lang="pt-BR" smtClean="0"/>
-              <a:t>26/03/2020</a:t>
+              <a:t>02/04/2020</a:t>
             </a:fld>
             <a:endParaRPr lang="pt-BR"/>
           </a:p>
@@ -2065,7 +2070,7 @@
           <a:p>
             <a:fld id="{7F5A276C-EDCD-E64D-9DBD-6CF9D27BD221}" type="datetimeFigureOut">
               <a:rPr lang="pt-BR" smtClean="0"/>
-              <a:t>26/03/2020</a:t>
+              <a:t>02/04/2020</a:t>
             </a:fld>
             <a:endParaRPr lang="pt-BR"/>
           </a:p>
@@ -2376,7 +2381,7 @@
           <a:p>
             <a:fld id="{7F5A276C-EDCD-E64D-9DBD-6CF9D27BD221}" type="datetimeFigureOut">
               <a:rPr lang="pt-BR" smtClean="0"/>
-              <a:t>26/03/2020</a:t>
+              <a:t>02/04/2020</a:t>
             </a:fld>
             <a:endParaRPr lang="pt-BR"/>
           </a:p>
@@ -2664,7 +2669,7 @@
           <a:p>
             <a:fld id="{7F5A276C-EDCD-E64D-9DBD-6CF9D27BD221}" type="datetimeFigureOut">
               <a:rPr lang="pt-BR" smtClean="0"/>
-              <a:t>26/03/2020</a:t>
+              <a:t>02/04/2020</a:t>
             </a:fld>
             <a:endParaRPr lang="pt-BR"/>
           </a:p>
@@ -2905,7 +2910,7 @@
           <a:p>
             <a:fld id="{7F5A276C-EDCD-E64D-9DBD-6CF9D27BD221}" type="datetimeFigureOut">
               <a:rPr lang="pt-BR" smtClean="0"/>
-              <a:t>26/03/2020</a:t>
+              <a:t>02/04/2020</a:t>
             </a:fld>
             <a:endParaRPr lang="pt-BR"/>
           </a:p>
@@ -3308,6 +3313,14 @@
 <file path=ppt/slides/slide1.xml><?xml version="1.0" encoding="utf-8"?>
 <p:sld xmlns:a="http://schemas.openxmlformats.org/drawingml/2006/main" xmlns:r="http://schemas.openxmlformats.org/officeDocument/2006/relationships" xmlns:p="http://schemas.openxmlformats.org/presentationml/2006/main">
   <p:cSld>
+    <p:bg>
+      <p:bgPr>
+        <a:solidFill>
+          <a:schemeClr val="bg1"/>
+        </a:solidFill>
+        <a:effectLst/>
+      </p:bgPr>
+    </p:bg>
     <p:spTree>
       <p:nvGrpSpPr>
         <p:cNvPr id="1" name=""/>
@@ -3336,22 +3349,25 @@
         </p:nvSpPr>
         <p:spPr>
           <a:xfrm>
-            <a:off x="827314" y="2598057"/>
-            <a:ext cx="1987324" cy="573768"/>
+            <a:off x="771092" y="406283"/>
+            <a:ext cx="1987324" cy="1054781"/>
           </a:xfrm>
           <a:prstGeom prst="roundRect">
             <a:avLst>
-              <a:gd name="adj" fmla="val 23698"/>
+              <a:gd name="adj" fmla="val 0"/>
             </a:avLst>
           </a:prstGeom>
           <a:solidFill>
-            <a:schemeClr val="accent4">
-              <a:lumMod val="60000"/>
-              <a:lumOff val="40000"/>
+            <a:schemeClr val="tx2">
+              <a:lumMod val="75000"/>
             </a:schemeClr>
           </a:solidFill>
           <a:ln>
-            <a:noFill/>
+            <a:solidFill>
+              <a:schemeClr val="tx2">
+                <a:lumMod val="75000"/>
+              </a:schemeClr>
+            </a:solidFill>
           </a:ln>
         </p:spPr>
         <p:style>
@@ -3378,10 +3394,12 @@
             <a:r>
               <a:rPr lang="pt-BR" dirty="0">
                 <a:solidFill>
-                  <a:sysClr val="windowText" lastClr="000000"/>
+                  <a:schemeClr val="bg1"/>
                 </a:solidFill>
+                <a:latin typeface="Kohinoor Devanagari Light" panose="02000000000000000000" pitchFamily="2" charset="77"/>
+                <a:cs typeface="Kohinoor Devanagari Light" panose="02000000000000000000" pitchFamily="2" charset="77"/>
               </a:rPr>
-              <a:t>ENTRADA DE VEICULOS</a:t>
+              <a:t>CONTROLAR ENTRADA DE VEICULOS</a:t>
             </a:r>
           </a:p>
         </p:txBody>
@@ -3400,22 +3418,25 @@
         </p:nvSpPr>
         <p:spPr>
           <a:xfrm>
-            <a:off x="3394302" y="1636031"/>
+            <a:off x="771092" y="2340874"/>
             <a:ext cx="1987324" cy="962025"/>
           </a:xfrm>
           <a:prstGeom prst="roundRect">
             <a:avLst>
-              <a:gd name="adj" fmla="val 23698"/>
+              <a:gd name="adj" fmla="val 50000"/>
             </a:avLst>
           </a:prstGeom>
           <a:solidFill>
-            <a:schemeClr val="accent4">
-              <a:lumMod val="60000"/>
-              <a:lumOff val="40000"/>
+            <a:schemeClr val="tx2">
+              <a:lumMod val="75000"/>
             </a:schemeClr>
           </a:solidFill>
           <a:ln>
-            <a:noFill/>
+            <a:solidFill>
+              <a:schemeClr val="tx2">
+                <a:lumMod val="75000"/>
+              </a:schemeClr>
+            </a:solidFill>
           </a:ln>
         </p:spPr>
         <p:style>
@@ -3442,10 +3463,12 @@
             <a:r>
               <a:rPr lang="pt-BR" dirty="0">
                 <a:solidFill>
-                  <a:sysClr val="windowText" lastClr="000000"/>
+                  <a:schemeClr val="bg1"/>
                 </a:solidFill>
+                <a:latin typeface="Kohinoor Devanagari Light" panose="02000000000000000000" pitchFamily="2" charset="77"/>
+                <a:cs typeface="Kohinoor Devanagari Light" panose="02000000000000000000" pitchFamily="2" charset="77"/>
               </a:rPr>
-              <a:t>REGISTRAR (ENTRADA) HORA/DATA</a:t>
+              <a:t>EMITIR CUPOM DE ACESSO</a:t>
             </a:r>
           </a:p>
         </p:txBody>
@@ -3464,22 +3487,25 @@
         </p:nvSpPr>
         <p:spPr>
           <a:xfrm>
-            <a:off x="3394302" y="3079070"/>
-            <a:ext cx="1987324" cy="573768"/>
+            <a:off x="3728944" y="732658"/>
+            <a:ext cx="1987324" cy="745504"/>
           </a:xfrm>
           <a:prstGeom prst="roundRect">
             <a:avLst>
-              <a:gd name="adj" fmla="val 23698"/>
+              <a:gd name="adj" fmla="val 50000"/>
             </a:avLst>
           </a:prstGeom>
           <a:solidFill>
-            <a:schemeClr val="accent4">
-              <a:lumMod val="60000"/>
-              <a:lumOff val="40000"/>
+            <a:schemeClr val="tx2">
+              <a:lumMod val="75000"/>
             </a:schemeClr>
           </a:solidFill>
           <a:ln>
-            <a:noFill/>
+            <a:solidFill>
+              <a:schemeClr val="tx2">
+                <a:lumMod val="75000"/>
+              </a:schemeClr>
+            </a:solidFill>
           </a:ln>
         </p:spPr>
         <p:style>
@@ -3506,10 +3532,12 @@
             <a:r>
               <a:rPr lang="pt-BR" dirty="0">
                 <a:solidFill>
-                  <a:sysClr val="windowText" lastClr="000000"/>
+                  <a:schemeClr val="bg1"/>
                 </a:solidFill>
+                <a:latin typeface="Kohinoor Devanagari Light" panose="02000000000000000000" pitchFamily="2" charset="77"/>
+                <a:cs typeface="Kohinoor Devanagari Light" panose="02000000000000000000" pitchFamily="2" charset="77"/>
               </a:rPr>
-              <a:t>VERIFICAR VAGA</a:t>
+              <a:t>VERIFICAR VAGA LIVRE</a:t>
             </a:r>
           </a:p>
         </p:txBody>
@@ -3525,24 +3553,23 @@
           </p:cNvPr>
           <p:cNvCxnSpPr>
             <a:cxnSpLocks/>
-            <a:stCxn id="4" idx="3"/>
-            <a:endCxn id="5" idx="1"/>
+            <a:stCxn id="4" idx="2"/>
+            <a:endCxn id="5" idx="0"/>
           </p:cNvCxnSpPr>
           <p:nvPr/>
         </p:nvCxnSpPr>
         <p:spPr>
-          <a:xfrm flipV="1">
-            <a:off x="2814638" y="2117044"/>
-            <a:ext cx="579664" cy="767897"/>
+          <a:xfrm>
+            <a:off x="1764754" y="1461064"/>
+            <a:ext cx="0" cy="879810"/>
           </a:xfrm>
           <a:prstGeom prst="line">
             <a:avLst/>
           </a:prstGeom>
-          <a:ln w="19050">
+          <a:ln w="38100">
             <a:solidFill>
-              <a:schemeClr val="accent4">
-                <a:lumMod val="60000"/>
-                <a:lumOff val="40000"/>
+              <a:schemeClr val="tx2">
+                <a:lumMod val="75000"/>
               </a:schemeClr>
             </a:solidFill>
           </a:ln>
@@ -3573,24 +3600,23 @@
           </p:cNvPr>
           <p:cNvCxnSpPr>
             <a:cxnSpLocks/>
-            <a:stCxn id="4" idx="3"/>
+            <a:stCxn id="5" idx="3"/>
             <a:endCxn id="6" idx="1"/>
           </p:cNvCxnSpPr>
           <p:nvPr/>
         </p:nvCxnSpPr>
         <p:spPr>
-          <a:xfrm>
-            <a:off x="2814638" y="2884941"/>
-            <a:ext cx="579664" cy="481013"/>
+          <a:xfrm flipV="1">
+            <a:off x="2758416" y="1105410"/>
+            <a:ext cx="970528" cy="1716477"/>
           </a:xfrm>
           <a:prstGeom prst="line">
             <a:avLst/>
           </a:prstGeom>
-          <a:ln w="19050">
+          <a:ln w="38100">
             <a:solidFill>
-              <a:schemeClr val="accent4">
-                <a:lumMod val="60000"/>
-                <a:lumOff val="40000"/>
+              <a:schemeClr val="tx2">
+                <a:lumMod val="75000"/>
               </a:schemeClr>
             </a:solidFill>
           </a:ln>
@@ -3624,22 +3650,25 @@
         </p:nvSpPr>
         <p:spPr>
           <a:xfrm>
-            <a:off x="6296026" y="3079070"/>
+            <a:off x="3728944" y="4342496"/>
             <a:ext cx="1987324" cy="573768"/>
           </a:xfrm>
           <a:prstGeom prst="roundRect">
             <a:avLst>
-              <a:gd name="adj" fmla="val 23698"/>
+              <a:gd name="adj" fmla="val 50000"/>
             </a:avLst>
           </a:prstGeom>
           <a:solidFill>
-            <a:schemeClr val="accent4">
-              <a:lumMod val="60000"/>
-              <a:lumOff val="40000"/>
+            <a:schemeClr val="tx2">
+              <a:lumMod val="75000"/>
             </a:schemeClr>
           </a:solidFill>
           <a:ln>
-            <a:noFill/>
+            <a:solidFill>
+              <a:schemeClr val="tx2">
+                <a:lumMod val="75000"/>
+              </a:schemeClr>
+            </a:solidFill>
           </a:ln>
         </p:spPr>
         <p:style>
@@ -3666,10 +3695,12 @@
             <a:r>
               <a:rPr lang="pt-BR" dirty="0">
                 <a:solidFill>
-                  <a:sysClr val="windowText" lastClr="000000"/>
+                  <a:schemeClr val="bg1"/>
                 </a:solidFill>
+                <a:latin typeface="Kohinoor Devanagari Light" panose="02000000000000000000" pitchFamily="2" charset="77"/>
+                <a:cs typeface="Kohinoor Devanagari Light" panose="02000000000000000000" pitchFamily="2" charset="77"/>
               </a:rPr>
-              <a:t>LIBERAR CANCELA</a:t>
+              <a:t>IMPRIMIR TICKET</a:t>
             </a:r>
           </a:p>
         </p:txBody>
@@ -3685,24 +3716,23 @@
           </p:cNvPr>
           <p:cNvCxnSpPr>
             <a:cxnSpLocks/>
-            <a:stCxn id="6" idx="3"/>
-            <a:endCxn id="13" idx="1"/>
+            <a:stCxn id="13" idx="1"/>
+            <a:endCxn id="5" idx="3"/>
           </p:cNvCxnSpPr>
           <p:nvPr/>
         </p:nvCxnSpPr>
         <p:spPr>
-          <a:xfrm>
-            <a:off x="5381626" y="3365954"/>
-            <a:ext cx="914400" cy="0"/>
+          <a:xfrm flipH="1" flipV="1">
+            <a:off x="2758416" y="2821887"/>
+            <a:ext cx="970528" cy="1807493"/>
           </a:xfrm>
           <a:prstGeom prst="line">
             <a:avLst/>
           </a:prstGeom>
-          <a:ln w="19050">
+          <a:ln w="38100">
             <a:solidFill>
-              <a:schemeClr val="accent4">
-                <a:lumMod val="60000"/>
-                <a:lumOff val="40000"/>
+              <a:schemeClr val="tx2">
+                <a:lumMod val="75000"/>
               </a:schemeClr>
             </a:solidFill>
           </a:ln>
@@ -3736,22 +3766,25 @@
         </p:nvSpPr>
         <p:spPr>
           <a:xfrm>
-            <a:off x="6296026" y="4420736"/>
-            <a:ext cx="1987324" cy="573768"/>
+            <a:off x="8576374" y="5525417"/>
+            <a:ext cx="1987324" cy="1071675"/>
           </a:xfrm>
           <a:prstGeom prst="roundRect">
             <a:avLst>
-              <a:gd name="adj" fmla="val 23698"/>
+              <a:gd name="adj" fmla="val 50000"/>
             </a:avLst>
           </a:prstGeom>
           <a:solidFill>
-            <a:schemeClr val="accent4">
-              <a:lumMod val="60000"/>
-              <a:lumOff val="40000"/>
+            <a:schemeClr val="tx2">
+              <a:lumMod val="75000"/>
             </a:schemeClr>
           </a:solidFill>
           <a:ln>
-            <a:noFill/>
+            <a:solidFill>
+              <a:schemeClr val="tx2">
+                <a:lumMod val="75000"/>
+              </a:schemeClr>
+            </a:solidFill>
           </a:ln>
         </p:spPr>
         <p:style>
@@ -3778,10 +3811,12 @@
             <a:r>
               <a:rPr lang="pt-BR" dirty="0">
                 <a:solidFill>
-                  <a:sysClr val="windowText" lastClr="000000"/>
+                  <a:schemeClr val="bg1"/>
                 </a:solidFill>
+                <a:latin typeface="Kohinoor Devanagari Light" panose="02000000000000000000" pitchFamily="2" charset="77"/>
+                <a:cs typeface="Kohinoor Devanagari Light" panose="02000000000000000000" pitchFamily="2" charset="77"/>
               </a:rPr>
-              <a:t>CONTABILIZAR PERIODO</a:t>
+              <a:t>OBTER DATA/HORA (ENTRADA)</a:t>
             </a:r>
           </a:p>
         </p:txBody>
@@ -3797,24 +3832,23 @@
           </p:cNvPr>
           <p:cNvCxnSpPr>
             <a:cxnSpLocks/>
-            <a:stCxn id="13" idx="2"/>
-            <a:endCxn id="23" idx="0"/>
+            <a:stCxn id="13" idx="3"/>
+            <a:endCxn id="23" idx="1"/>
           </p:cNvCxnSpPr>
           <p:nvPr/>
         </p:nvCxnSpPr>
         <p:spPr>
           <a:xfrm>
-            <a:off x="7289688" y="3652838"/>
-            <a:ext cx="0" cy="767898"/>
+            <a:off x="5716268" y="4629380"/>
+            <a:ext cx="2860106" cy="1431875"/>
           </a:xfrm>
           <a:prstGeom prst="line">
             <a:avLst/>
           </a:prstGeom>
-          <a:ln w="19050">
+          <a:ln w="38100">
             <a:solidFill>
-              <a:schemeClr val="accent4">
-                <a:lumMod val="60000"/>
-                <a:lumOff val="40000"/>
+              <a:schemeClr val="tx2">
+                <a:lumMod val="75000"/>
               </a:schemeClr>
             </a:solidFill>
           </a:ln>
@@ -3848,22 +3882,25 @@
         </p:nvSpPr>
         <p:spPr>
           <a:xfrm>
-            <a:off x="9374506" y="4420736"/>
-            <a:ext cx="1987324" cy="573768"/>
+            <a:off x="8128734" y="4395787"/>
+            <a:ext cx="3371850" cy="925278"/>
           </a:xfrm>
           <a:prstGeom prst="roundRect">
             <a:avLst>
-              <a:gd name="adj" fmla="val 23698"/>
+              <a:gd name="adj" fmla="val 50000"/>
             </a:avLst>
           </a:prstGeom>
           <a:solidFill>
-            <a:schemeClr val="accent4">
-              <a:lumMod val="60000"/>
-              <a:lumOff val="40000"/>
+            <a:schemeClr val="tx2">
+              <a:lumMod val="75000"/>
             </a:schemeClr>
           </a:solidFill>
           <a:ln>
-            <a:noFill/>
+            <a:solidFill>
+              <a:schemeClr val="tx2">
+                <a:lumMod val="75000"/>
+              </a:schemeClr>
+            </a:solidFill>
           </a:ln>
         </p:spPr>
         <p:style>
@@ -3890,10 +3927,12 @@
             <a:r>
               <a:rPr lang="pt-BR" dirty="0">
                 <a:solidFill>
-                  <a:sysClr val="windowText" lastClr="000000"/>
+                  <a:schemeClr val="bg1"/>
                 </a:solidFill>
+                <a:latin typeface="Kohinoor Devanagari Light" panose="02000000000000000000" pitchFamily="2" charset="77"/>
+                <a:cs typeface="Kohinoor Devanagari Light" panose="02000000000000000000" pitchFamily="2" charset="77"/>
               </a:rPr>
-              <a:t>ESTACIONAR</a:t>
+              <a:t>REGISTRAR MARCA, MODELO, PLACA E COR DO CARRO</a:t>
             </a:r>
           </a:p>
         </p:txBody>
@@ -3910,23 +3949,486 @@
           <p:cNvCxnSpPr>
             <a:cxnSpLocks/>
             <a:stCxn id="35" idx="1"/>
-            <a:endCxn id="23" idx="3"/>
+            <a:endCxn id="13" idx="3"/>
           </p:cNvCxnSpPr>
           <p:nvPr/>
         </p:nvCxnSpPr>
         <p:spPr>
-          <a:xfrm flipH="1">
-            <a:off x="8283350" y="4707620"/>
-            <a:ext cx="1091156" cy="0"/>
+          <a:xfrm flipH="1" flipV="1">
+            <a:off x="5716268" y="4629380"/>
+            <a:ext cx="2412466" cy="229046"/>
           </a:xfrm>
           <a:prstGeom prst="line">
             <a:avLst/>
           </a:prstGeom>
-          <a:ln w="19050">
+          <a:ln w="38100">
             <a:solidFill>
-              <a:schemeClr val="accent4">
-                <a:lumMod val="60000"/>
-                <a:lumOff val="40000"/>
+              <a:schemeClr val="tx2">
+                <a:lumMod val="75000"/>
+              </a:schemeClr>
+            </a:solidFill>
+          </a:ln>
+        </p:spPr>
+        <p:style>
+          <a:lnRef idx="1">
+            <a:schemeClr val="accent1"/>
+          </a:lnRef>
+          <a:fillRef idx="0">
+            <a:schemeClr val="accent1"/>
+          </a:fillRef>
+          <a:effectRef idx="0">
+            <a:schemeClr val="accent1"/>
+          </a:effectRef>
+          <a:fontRef idx="minor">
+            <a:schemeClr val="tx1"/>
+          </a:fontRef>
+        </p:style>
+      </p:cxnSp>
+      <p:sp>
+        <p:nvSpPr>
+          <p:cNvPr id="33" name="Retângulo Arredondado 32">
+            <a:extLst>
+              <a:ext uri="{FF2B5EF4-FFF2-40B4-BE49-F238E27FC236}">
+                <a16:creationId xmlns:a16="http://schemas.microsoft.com/office/drawing/2014/main" id="{21CA8C83-6ED8-7C40-8FF9-A1435D232AEF}"/>
+              </a:ext>
+            </a:extLst>
+          </p:cNvPr>
+          <p:cNvSpPr/>
+          <p:nvPr/>
+        </p:nvSpPr>
+        <p:spPr>
+          <a:xfrm>
+            <a:off x="8128734" y="3576504"/>
+            <a:ext cx="2882605" cy="573768"/>
+          </a:xfrm>
+          <a:prstGeom prst="roundRect">
+            <a:avLst>
+              <a:gd name="adj" fmla="val 50000"/>
+            </a:avLst>
+          </a:prstGeom>
+          <a:solidFill>
+            <a:schemeClr val="tx2">
+              <a:lumMod val="75000"/>
+            </a:schemeClr>
+          </a:solidFill>
+          <a:ln>
+            <a:solidFill>
+              <a:schemeClr val="tx2">
+                <a:lumMod val="75000"/>
+              </a:schemeClr>
+            </a:solidFill>
+          </a:ln>
+        </p:spPr>
+        <p:style>
+          <a:lnRef idx="2">
+            <a:schemeClr val="accent1">
+              <a:shade val="50000"/>
+            </a:schemeClr>
+          </a:lnRef>
+          <a:fillRef idx="1">
+            <a:schemeClr val="accent1"/>
+          </a:fillRef>
+          <a:effectRef idx="0">
+            <a:schemeClr val="accent1"/>
+          </a:effectRef>
+          <a:fontRef idx="minor">
+            <a:schemeClr val="lt1"/>
+          </a:fontRef>
+        </p:style>
+        <p:txBody>
+          <a:bodyPr rtlCol="0" anchor="ctr"/>
+          <a:lstStyle/>
+          <a:p>
+            <a:pPr algn="ctr"/>
+            <a:r>
+              <a:rPr lang="pt-BR" dirty="0">
+                <a:solidFill>
+                  <a:schemeClr val="bg1"/>
+                </a:solidFill>
+                <a:latin typeface="Kohinoor Devanagari Light" panose="02000000000000000000" pitchFamily="2" charset="77"/>
+                <a:cs typeface="Kohinoor Devanagari Light" panose="02000000000000000000" pitchFamily="2" charset="77"/>
+              </a:rPr>
+              <a:t>VINCULAR A VAGA COM CARRO</a:t>
+            </a:r>
+          </a:p>
+        </p:txBody>
+      </p:sp>
+      <p:cxnSp>
+        <p:nvCxnSpPr>
+          <p:cNvPr id="34" name="Conector Reto 33">
+            <a:extLst>
+              <a:ext uri="{FF2B5EF4-FFF2-40B4-BE49-F238E27FC236}">
+                <a16:creationId xmlns:a16="http://schemas.microsoft.com/office/drawing/2014/main" id="{DFCC666B-BB2E-DE4A-B168-3876B77A8BBC}"/>
+              </a:ext>
+            </a:extLst>
+          </p:cNvPr>
+          <p:cNvCxnSpPr>
+            <a:cxnSpLocks/>
+            <a:stCxn id="33" idx="1"/>
+            <a:endCxn id="13" idx="3"/>
+          </p:cNvCxnSpPr>
+          <p:nvPr/>
+        </p:nvCxnSpPr>
+        <p:spPr>
+          <a:xfrm flipH="1">
+            <a:off x="5716268" y="3863388"/>
+            <a:ext cx="2412466" cy="765992"/>
+          </a:xfrm>
+          <a:prstGeom prst="line">
+            <a:avLst/>
+          </a:prstGeom>
+          <a:ln w="38100">
+            <a:solidFill>
+              <a:schemeClr val="tx2">
+                <a:lumMod val="75000"/>
+              </a:schemeClr>
+            </a:solidFill>
+          </a:ln>
+        </p:spPr>
+        <p:style>
+          <a:lnRef idx="1">
+            <a:schemeClr val="accent1"/>
+          </a:lnRef>
+          <a:fillRef idx="0">
+            <a:schemeClr val="accent1"/>
+          </a:fillRef>
+          <a:effectRef idx="0">
+            <a:schemeClr val="accent1"/>
+          </a:effectRef>
+          <a:fontRef idx="minor">
+            <a:schemeClr val="tx1"/>
+          </a:fontRef>
+        </p:style>
+      </p:cxnSp>
+      <p:sp>
+        <p:nvSpPr>
+          <p:cNvPr id="41" name="Retângulo Arredondado 40">
+            <a:extLst>
+              <a:ext uri="{FF2B5EF4-FFF2-40B4-BE49-F238E27FC236}">
+                <a16:creationId xmlns:a16="http://schemas.microsoft.com/office/drawing/2014/main" id="{5B60E4A1-BC1D-724F-974D-5CCEF127BD63}"/>
+              </a:ext>
+            </a:extLst>
+          </p:cNvPr>
+          <p:cNvSpPr/>
+          <p:nvPr/>
+        </p:nvSpPr>
+        <p:spPr>
+          <a:xfrm>
+            <a:off x="7915375" y="2821887"/>
+            <a:ext cx="3095964" cy="550240"/>
+          </a:xfrm>
+          <a:prstGeom prst="roundRect">
+            <a:avLst>
+              <a:gd name="adj" fmla="val 50000"/>
+            </a:avLst>
+          </a:prstGeom>
+          <a:solidFill>
+            <a:schemeClr val="tx2">
+              <a:lumMod val="75000"/>
+            </a:schemeClr>
+          </a:solidFill>
+          <a:ln>
+            <a:solidFill>
+              <a:schemeClr val="tx2">
+                <a:lumMod val="75000"/>
+              </a:schemeClr>
+            </a:solidFill>
+          </a:ln>
+        </p:spPr>
+        <p:style>
+          <a:lnRef idx="2">
+            <a:schemeClr val="accent1">
+              <a:shade val="50000"/>
+            </a:schemeClr>
+          </a:lnRef>
+          <a:fillRef idx="1">
+            <a:schemeClr val="accent1"/>
+          </a:fillRef>
+          <a:effectRef idx="0">
+            <a:schemeClr val="accent1"/>
+          </a:effectRef>
+          <a:fontRef idx="minor">
+            <a:schemeClr val="lt1"/>
+          </a:fontRef>
+        </p:style>
+        <p:txBody>
+          <a:bodyPr rtlCol="0" anchor="ctr"/>
+          <a:lstStyle/>
+          <a:p>
+            <a:pPr algn="ctr"/>
+            <a:r>
+              <a:rPr lang="pt-BR" dirty="0">
+                <a:solidFill>
+                  <a:schemeClr val="bg1"/>
+                </a:solidFill>
+                <a:latin typeface="Kohinoor Devanagari Light" panose="02000000000000000000" pitchFamily="2" charset="77"/>
+                <a:cs typeface="Kohinoor Devanagari Light" panose="02000000000000000000" pitchFamily="2" charset="77"/>
+              </a:rPr>
+              <a:t>GERAR NUMERO DO TICKET</a:t>
+            </a:r>
+          </a:p>
+        </p:txBody>
+      </p:sp>
+      <p:cxnSp>
+        <p:nvCxnSpPr>
+          <p:cNvPr id="42" name="Conector Reto 41">
+            <a:extLst>
+              <a:ext uri="{FF2B5EF4-FFF2-40B4-BE49-F238E27FC236}">
+                <a16:creationId xmlns:a16="http://schemas.microsoft.com/office/drawing/2014/main" id="{C38F70C7-7290-4642-B33D-445411A3141D}"/>
+              </a:ext>
+            </a:extLst>
+          </p:cNvPr>
+          <p:cNvCxnSpPr>
+            <a:cxnSpLocks/>
+            <a:stCxn id="41" idx="1"/>
+            <a:endCxn id="13" idx="3"/>
+          </p:cNvCxnSpPr>
+          <p:nvPr/>
+        </p:nvCxnSpPr>
+        <p:spPr>
+          <a:xfrm flipH="1">
+            <a:off x="5716268" y="3097007"/>
+            <a:ext cx="2199107" cy="1532373"/>
+          </a:xfrm>
+          <a:prstGeom prst="line">
+            <a:avLst/>
+          </a:prstGeom>
+          <a:ln w="38100">
+            <a:solidFill>
+              <a:schemeClr val="tx2">
+                <a:lumMod val="75000"/>
+              </a:schemeClr>
+            </a:solidFill>
+          </a:ln>
+        </p:spPr>
+        <p:style>
+          <a:lnRef idx="1">
+            <a:schemeClr val="accent1"/>
+          </a:lnRef>
+          <a:fillRef idx="0">
+            <a:schemeClr val="accent1"/>
+          </a:fillRef>
+          <a:effectRef idx="0">
+            <a:schemeClr val="accent1"/>
+          </a:effectRef>
+          <a:fontRef idx="minor">
+            <a:schemeClr val="tx1"/>
+          </a:fontRef>
+        </p:style>
+      </p:cxnSp>
+      <p:sp>
+        <p:nvSpPr>
+          <p:cNvPr id="53" name="Retângulo Arredondado 52">
+            <a:extLst>
+              <a:ext uri="{FF2B5EF4-FFF2-40B4-BE49-F238E27FC236}">
+                <a16:creationId xmlns:a16="http://schemas.microsoft.com/office/drawing/2014/main" id="{72A8D828-D236-F744-9B5D-8A52596D1929}"/>
+              </a:ext>
+            </a:extLst>
+          </p:cNvPr>
+          <p:cNvSpPr/>
+          <p:nvPr/>
+        </p:nvSpPr>
+        <p:spPr>
+          <a:xfrm>
+            <a:off x="6269708" y="301616"/>
+            <a:ext cx="2772114" cy="745504"/>
+          </a:xfrm>
+          <a:prstGeom prst="roundRect">
+            <a:avLst>
+              <a:gd name="adj" fmla="val 50000"/>
+            </a:avLst>
+          </a:prstGeom>
+          <a:solidFill>
+            <a:schemeClr val="tx2">
+              <a:lumMod val="75000"/>
+            </a:schemeClr>
+          </a:solidFill>
+          <a:ln>
+            <a:solidFill>
+              <a:schemeClr val="tx2">
+                <a:lumMod val="75000"/>
+              </a:schemeClr>
+            </a:solidFill>
+          </a:ln>
+        </p:spPr>
+        <p:style>
+          <a:lnRef idx="2">
+            <a:schemeClr val="accent1">
+              <a:shade val="50000"/>
+            </a:schemeClr>
+          </a:lnRef>
+          <a:fillRef idx="1">
+            <a:schemeClr val="accent1"/>
+          </a:fillRef>
+          <a:effectRef idx="0">
+            <a:schemeClr val="accent1"/>
+          </a:effectRef>
+          <a:fontRef idx="minor">
+            <a:schemeClr val="lt1"/>
+          </a:fontRef>
+        </p:style>
+        <p:txBody>
+          <a:bodyPr rtlCol="0" anchor="ctr"/>
+          <a:lstStyle/>
+          <a:p>
+            <a:pPr algn="ctr"/>
+            <a:r>
+              <a:rPr lang="pt-BR" dirty="0">
+                <a:solidFill>
+                  <a:schemeClr val="bg1"/>
+                </a:solidFill>
+                <a:latin typeface="Kohinoor Devanagari Light" panose="02000000000000000000" pitchFamily="2" charset="77"/>
+                <a:cs typeface="Kohinoor Devanagari Light" panose="02000000000000000000" pitchFamily="2" charset="77"/>
+              </a:rPr>
+              <a:t>COLETAR DADO DO PORTE DO VEÍCULO</a:t>
+            </a:r>
+          </a:p>
+        </p:txBody>
+      </p:sp>
+      <p:cxnSp>
+        <p:nvCxnSpPr>
+          <p:cNvPr id="54" name="Conector Reto 53">
+            <a:extLst>
+              <a:ext uri="{FF2B5EF4-FFF2-40B4-BE49-F238E27FC236}">
+                <a16:creationId xmlns:a16="http://schemas.microsoft.com/office/drawing/2014/main" id="{C7DE5026-A5D6-A74B-BC7A-F3866366E1F7}"/>
+              </a:ext>
+            </a:extLst>
+          </p:cNvPr>
+          <p:cNvCxnSpPr>
+            <a:cxnSpLocks/>
+            <a:stCxn id="53" idx="1"/>
+            <a:endCxn id="6" idx="3"/>
+          </p:cNvCxnSpPr>
+          <p:nvPr/>
+        </p:nvCxnSpPr>
+        <p:spPr>
+          <a:xfrm flipH="1">
+            <a:off x="5716268" y="674368"/>
+            <a:ext cx="553440" cy="431042"/>
+          </a:xfrm>
+          <a:prstGeom prst="line">
+            <a:avLst/>
+          </a:prstGeom>
+          <a:ln w="38100">
+            <a:solidFill>
+              <a:schemeClr val="tx2">
+                <a:lumMod val="75000"/>
+              </a:schemeClr>
+            </a:solidFill>
+          </a:ln>
+        </p:spPr>
+        <p:style>
+          <a:lnRef idx="1">
+            <a:schemeClr val="accent1"/>
+          </a:lnRef>
+          <a:fillRef idx="0">
+            <a:schemeClr val="accent1"/>
+          </a:fillRef>
+          <a:effectRef idx="0">
+            <a:schemeClr val="accent1"/>
+          </a:effectRef>
+          <a:fontRef idx="minor">
+            <a:schemeClr val="tx1"/>
+          </a:fontRef>
+        </p:style>
+      </p:cxnSp>
+      <p:sp>
+        <p:nvSpPr>
+          <p:cNvPr id="57" name="Retângulo Arredondado 56">
+            <a:extLst>
+              <a:ext uri="{FF2B5EF4-FFF2-40B4-BE49-F238E27FC236}">
+                <a16:creationId xmlns:a16="http://schemas.microsoft.com/office/drawing/2014/main" id="{D721191C-E546-2B41-BF67-CE16E412A150}"/>
+              </a:ext>
+            </a:extLst>
+          </p:cNvPr>
+          <p:cNvSpPr/>
+          <p:nvPr/>
+        </p:nvSpPr>
+        <p:spPr>
+          <a:xfrm>
+            <a:off x="6176839" y="1271735"/>
+            <a:ext cx="2957852" cy="745504"/>
+          </a:xfrm>
+          <a:prstGeom prst="roundRect">
+            <a:avLst>
+              <a:gd name="adj" fmla="val 50000"/>
+            </a:avLst>
+          </a:prstGeom>
+          <a:solidFill>
+            <a:schemeClr val="tx2">
+              <a:lumMod val="75000"/>
+            </a:schemeClr>
+          </a:solidFill>
+          <a:ln>
+            <a:solidFill>
+              <a:schemeClr val="tx2">
+                <a:lumMod val="75000"/>
+              </a:schemeClr>
+            </a:solidFill>
+          </a:ln>
+        </p:spPr>
+        <p:style>
+          <a:lnRef idx="2">
+            <a:schemeClr val="accent1">
+              <a:shade val="50000"/>
+            </a:schemeClr>
+          </a:lnRef>
+          <a:fillRef idx="1">
+            <a:schemeClr val="accent1"/>
+          </a:fillRef>
+          <a:effectRef idx="0">
+            <a:schemeClr val="accent1"/>
+          </a:effectRef>
+          <a:fontRef idx="minor">
+            <a:schemeClr val="lt1"/>
+          </a:fontRef>
+        </p:style>
+        <p:txBody>
+          <a:bodyPr rtlCol="0" anchor="ctr"/>
+          <a:lstStyle/>
+          <a:p>
+            <a:pPr algn="ctr"/>
+            <a:r>
+              <a:rPr lang="pt-BR" dirty="0">
+                <a:solidFill>
+                  <a:schemeClr val="bg1"/>
+                </a:solidFill>
+                <a:latin typeface="Kohinoor Devanagari Light" panose="02000000000000000000" pitchFamily="2" charset="77"/>
+                <a:cs typeface="Kohinoor Devanagari Light" panose="02000000000000000000" pitchFamily="2" charset="77"/>
+              </a:rPr>
+              <a:t>BUSCAR UMA VAGA DO PORTE DESEJADO</a:t>
+            </a:r>
+          </a:p>
+        </p:txBody>
+      </p:sp>
+      <p:cxnSp>
+        <p:nvCxnSpPr>
+          <p:cNvPr id="59" name="Conector Reto 58">
+            <a:extLst>
+              <a:ext uri="{FF2B5EF4-FFF2-40B4-BE49-F238E27FC236}">
+                <a16:creationId xmlns:a16="http://schemas.microsoft.com/office/drawing/2014/main" id="{61AFE43D-F795-7A44-900A-6487C21042CA}"/>
+              </a:ext>
+            </a:extLst>
+          </p:cNvPr>
+          <p:cNvCxnSpPr>
+            <a:cxnSpLocks/>
+            <a:stCxn id="57" idx="1"/>
+            <a:endCxn id="6" idx="3"/>
+          </p:cNvCxnSpPr>
+          <p:nvPr/>
+        </p:nvCxnSpPr>
+        <p:spPr>
+          <a:xfrm flipH="1" flipV="1">
+            <a:off x="5716268" y="1105410"/>
+            <a:ext cx="460571" cy="539077"/>
+          </a:xfrm>
+          <a:prstGeom prst="line">
+            <a:avLst/>
+          </a:prstGeom>
+          <a:ln w="38100">
+            <a:solidFill>
+              <a:schemeClr val="tx2">
+                <a:lumMod val="75000"/>
               </a:schemeClr>
             </a:solidFill>
           </a:ln>
@@ -3978,10 +4480,10 @@
       </p:grpSpPr>
       <p:sp>
         <p:nvSpPr>
-          <p:cNvPr id="2" name="Retângulo Arredondado 1">
-            <a:extLst>
-              <a:ext uri="{FF2B5EF4-FFF2-40B4-BE49-F238E27FC236}">
-                <a16:creationId xmlns:a16="http://schemas.microsoft.com/office/drawing/2014/main" id="{4AE329F4-AB26-DF40-8544-3822280984E3}"/>
+          <p:cNvPr id="4" name="Retângulo Arredondado 3">
+            <a:extLst>
+              <a:ext uri="{FF2B5EF4-FFF2-40B4-BE49-F238E27FC236}">
+                <a16:creationId xmlns:a16="http://schemas.microsoft.com/office/drawing/2014/main" id="{8C1784E3-BD89-EC45-9011-3D1F764FF208}"/>
               </a:ext>
             </a:extLst>
           </p:cNvPr>
@@ -3990,22 +4492,25 @@
         </p:nvSpPr>
         <p:spPr>
           <a:xfrm>
-            <a:off x="827314" y="2598057"/>
-            <a:ext cx="1987324" cy="573768"/>
+            <a:off x="222150" y="260115"/>
+            <a:ext cx="2172040" cy="1054781"/>
           </a:xfrm>
           <a:prstGeom prst="roundRect">
             <a:avLst>
-              <a:gd name="adj" fmla="val 23698"/>
+              <a:gd name="adj" fmla="val 0"/>
             </a:avLst>
           </a:prstGeom>
           <a:solidFill>
-            <a:schemeClr val="accent4">
-              <a:lumMod val="60000"/>
-              <a:lumOff val="40000"/>
+            <a:schemeClr val="tx2">
+              <a:lumMod val="75000"/>
             </a:schemeClr>
           </a:solidFill>
           <a:ln>
-            <a:noFill/>
+            <a:solidFill>
+              <a:schemeClr val="tx2">
+                <a:lumMod val="75000"/>
+              </a:schemeClr>
+            </a:solidFill>
           </a:ln>
         </p:spPr>
         <p:style>
@@ -4032,20 +4537,35 @@
             <a:r>
               <a:rPr lang="pt-BR" dirty="0">
                 <a:solidFill>
-                  <a:sysClr val="windowText" lastClr="000000"/>
+                  <a:schemeClr val="bg1"/>
                 </a:solidFill>
+                <a:latin typeface="Kohinoor Devanagari Light" panose="02000000000000000000" pitchFamily="2" charset="77"/>
+                <a:cs typeface="Kohinoor Devanagari Light" panose="02000000000000000000" pitchFamily="2" charset="77"/>
               </a:rPr>
-              <a:t>ENTRADA DE VEICULOS</a:t>
-            </a:r>
-          </a:p>
-        </p:txBody>
-      </p:sp>
-      <p:sp>
-        <p:nvSpPr>
-          <p:cNvPr id="3" name="Retângulo Arredondado 2">
-            <a:extLst>
-              <a:ext uri="{FF2B5EF4-FFF2-40B4-BE49-F238E27FC236}">
-                <a16:creationId xmlns:a16="http://schemas.microsoft.com/office/drawing/2014/main" id="{F0303364-113D-C84C-85B2-E7769044BCDC}"/>
+              <a:t>SAIDA DE VEICULOS </a:t>
+            </a:r>
+          </a:p>
+          <a:p>
+            <a:pPr algn="ctr"/>
+            <a:r>
+              <a:rPr lang="pt-BR" dirty="0">
+                <a:solidFill>
+                  <a:schemeClr val="bg1"/>
+                </a:solidFill>
+                <a:latin typeface="Kohinoor Devanagari Light" panose="02000000000000000000" pitchFamily="2" charset="77"/>
+                <a:cs typeface="Kohinoor Devanagari Light" panose="02000000000000000000" pitchFamily="2" charset="77"/>
+              </a:rPr>
+              <a:t>(após pagamento)</a:t>
+            </a:r>
+          </a:p>
+        </p:txBody>
+      </p:sp>
+      <p:sp>
+        <p:nvSpPr>
+          <p:cNvPr id="5" name="Retângulo Arredondado 4">
+            <a:extLst>
+              <a:ext uri="{FF2B5EF4-FFF2-40B4-BE49-F238E27FC236}">
+                <a16:creationId xmlns:a16="http://schemas.microsoft.com/office/drawing/2014/main" id="{89030EB2-2AAD-0645-88B0-3ACB19C49D33}"/>
               </a:ext>
             </a:extLst>
           </p:cNvPr>
@@ -4054,22 +4574,25 @@
         </p:nvSpPr>
         <p:spPr>
           <a:xfrm>
-            <a:off x="3695205" y="2656671"/>
-            <a:ext cx="1987324" cy="573768"/>
+            <a:off x="179628" y="2653062"/>
+            <a:ext cx="2257084" cy="1433090"/>
           </a:xfrm>
           <a:prstGeom prst="roundRect">
             <a:avLst>
-              <a:gd name="adj" fmla="val 23698"/>
+              <a:gd name="adj" fmla="val 50000"/>
             </a:avLst>
           </a:prstGeom>
           <a:solidFill>
-            <a:schemeClr val="accent4">
-              <a:lumMod val="60000"/>
-              <a:lumOff val="40000"/>
+            <a:schemeClr val="tx2">
+              <a:lumMod val="75000"/>
             </a:schemeClr>
           </a:solidFill>
           <a:ln>
-            <a:noFill/>
+            <a:solidFill>
+              <a:schemeClr val="tx2">
+                <a:lumMod val="75000"/>
+              </a:schemeClr>
+            </a:solidFill>
           </a:ln>
         </p:spPr>
         <p:style>
@@ -4096,68 +4619,22 @@
             <a:r>
               <a:rPr lang="pt-BR" dirty="0">
                 <a:solidFill>
-                  <a:sysClr val="windowText" lastClr="000000"/>
+                  <a:schemeClr val="bg1"/>
                 </a:solidFill>
+                <a:latin typeface="Kohinoor Devanagari Light" panose="02000000000000000000" pitchFamily="2" charset="77"/>
+                <a:cs typeface="Kohinoor Devanagari Light" panose="02000000000000000000" pitchFamily="2" charset="77"/>
               </a:rPr>
-              <a:t>EMITIR CUPOM DE ACESSO</a:t>
-            </a:r>
-          </a:p>
-        </p:txBody>
-      </p:sp>
-      <p:cxnSp>
-        <p:nvCxnSpPr>
-          <p:cNvPr id="4" name="Conector Reto 3">
-            <a:extLst>
-              <a:ext uri="{FF2B5EF4-FFF2-40B4-BE49-F238E27FC236}">
-                <a16:creationId xmlns:a16="http://schemas.microsoft.com/office/drawing/2014/main" id="{9EC50524-E4D5-764B-B7BE-26E4156876BC}"/>
-              </a:ext>
-            </a:extLst>
-          </p:cNvPr>
-          <p:cNvCxnSpPr>
-            <a:cxnSpLocks/>
-            <a:stCxn id="2" idx="3"/>
-            <a:endCxn id="3" idx="1"/>
-          </p:cNvCxnSpPr>
-          <p:nvPr/>
-        </p:nvCxnSpPr>
-        <p:spPr>
-          <a:xfrm>
-            <a:off x="2814638" y="2884941"/>
-            <a:ext cx="880567" cy="58614"/>
-          </a:xfrm>
-          <a:prstGeom prst="line">
-            <a:avLst/>
-          </a:prstGeom>
-          <a:ln w="19050">
-            <a:solidFill>
-              <a:schemeClr val="accent4">
-                <a:lumMod val="60000"/>
-                <a:lumOff val="40000"/>
-              </a:schemeClr>
-            </a:solidFill>
-          </a:ln>
-        </p:spPr>
-        <p:style>
-          <a:lnRef idx="1">
-            <a:schemeClr val="accent1"/>
-          </a:lnRef>
-          <a:fillRef idx="0">
-            <a:schemeClr val="accent1"/>
-          </a:fillRef>
-          <a:effectRef idx="0">
-            <a:schemeClr val="accent1"/>
-          </a:effectRef>
-          <a:fontRef idx="minor">
-            <a:schemeClr val="tx1"/>
-          </a:fontRef>
-        </p:style>
-      </p:cxnSp>
-      <p:sp>
-        <p:nvSpPr>
-          <p:cNvPr id="8" name="Retângulo Arredondado 7">
-            <a:extLst>
-              <a:ext uri="{FF2B5EF4-FFF2-40B4-BE49-F238E27FC236}">
-                <a16:creationId xmlns:a16="http://schemas.microsoft.com/office/drawing/2014/main" id="{99E5AC54-2E96-2D4D-AB58-5F7ED0B88DA9}"/>
+              <a:t>CANCELA AUTOMATIZADA - ABRE APÓS PAGAMENTO</a:t>
+            </a:r>
+          </a:p>
+        </p:txBody>
+      </p:sp>
+      <p:sp>
+        <p:nvSpPr>
+          <p:cNvPr id="6" name="Retângulo Arredondado 5">
+            <a:extLst>
+              <a:ext uri="{FF2B5EF4-FFF2-40B4-BE49-F238E27FC236}">
+                <a16:creationId xmlns:a16="http://schemas.microsoft.com/office/drawing/2014/main" id="{F4C8B359-5031-4A4E-8E2C-30D73776CE84}"/>
               </a:ext>
             </a:extLst>
           </p:cNvPr>
@@ -4166,22 +4643,25 @@
         </p:nvSpPr>
         <p:spPr>
           <a:xfrm>
-            <a:off x="6563096" y="2655805"/>
-            <a:ext cx="1987324" cy="573768"/>
+            <a:off x="3032827" y="3082723"/>
+            <a:ext cx="1326067" cy="573768"/>
           </a:xfrm>
           <a:prstGeom prst="roundRect">
             <a:avLst>
-              <a:gd name="adj" fmla="val 23698"/>
+              <a:gd name="adj" fmla="val 50000"/>
             </a:avLst>
           </a:prstGeom>
           <a:solidFill>
-            <a:schemeClr val="accent4">
-              <a:lumMod val="60000"/>
-              <a:lumOff val="40000"/>
+            <a:schemeClr val="tx2">
+              <a:lumMod val="75000"/>
             </a:schemeClr>
           </a:solidFill>
           <a:ln>
-            <a:noFill/>
+            <a:solidFill>
+              <a:schemeClr val="tx2">
+                <a:lumMod val="75000"/>
+              </a:schemeClr>
+            </a:solidFill>
           </a:ln>
         </p:spPr>
         <p:style>
@@ -4208,43 +4688,44 @@
             <a:r>
               <a:rPr lang="pt-BR" dirty="0">
                 <a:solidFill>
-                  <a:sysClr val="windowText" lastClr="000000"/>
+                  <a:schemeClr val="bg1"/>
                 </a:solidFill>
+                <a:latin typeface="Kohinoor Devanagari Light" panose="02000000000000000000" pitchFamily="2" charset="77"/>
+                <a:cs typeface="Kohinoor Devanagari Light" panose="02000000000000000000" pitchFamily="2" charset="77"/>
               </a:rPr>
-              <a:t>VERIFICAR VAGA LIVRE</a:t>
+              <a:t>PAGAR</a:t>
             </a:r>
           </a:p>
         </p:txBody>
       </p:sp>
       <p:cxnSp>
         <p:nvCxnSpPr>
-          <p:cNvPr id="9" name="Conector Reto 8">
-            <a:extLst>
-              <a:ext uri="{FF2B5EF4-FFF2-40B4-BE49-F238E27FC236}">
-                <a16:creationId xmlns:a16="http://schemas.microsoft.com/office/drawing/2014/main" id="{B4B34831-391C-084D-9A62-D2B33D517F15}"/>
+          <p:cNvPr id="8" name="Conector Reto 7">
+            <a:extLst>
+              <a:ext uri="{FF2B5EF4-FFF2-40B4-BE49-F238E27FC236}">
+                <a16:creationId xmlns:a16="http://schemas.microsoft.com/office/drawing/2014/main" id="{607F7A94-DD5F-4649-8EA2-933989C8303D}"/>
               </a:ext>
             </a:extLst>
           </p:cNvPr>
           <p:cNvCxnSpPr>
             <a:cxnSpLocks/>
-            <a:stCxn id="3" idx="3"/>
-            <a:endCxn id="8" idx="1"/>
+            <a:stCxn id="4" idx="2"/>
+            <a:endCxn id="5" idx="0"/>
           </p:cNvCxnSpPr>
           <p:nvPr/>
         </p:nvCxnSpPr>
         <p:spPr>
-          <a:xfrm flipV="1">
-            <a:off x="5682529" y="2942689"/>
-            <a:ext cx="880567" cy="866"/>
+          <a:xfrm>
+            <a:off x="1308170" y="1314896"/>
+            <a:ext cx="0" cy="1338166"/>
           </a:xfrm>
           <a:prstGeom prst="line">
             <a:avLst/>
           </a:prstGeom>
-          <a:ln w="19050">
+          <a:ln w="38100">
             <a:solidFill>
-              <a:schemeClr val="accent4">
-                <a:lumMod val="60000"/>
-                <a:lumOff val="40000"/>
+              <a:schemeClr val="tx2">
+                <a:lumMod val="75000"/>
               </a:schemeClr>
             </a:solidFill>
           </a:ln>
@@ -4264,12 +4745,59 @@
           </a:fontRef>
         </p:style>
       </p:cxnSp>
-      <p:sp>
-        <p:nvSpPr>
-          <p:cNvPr id="12" name="Retângulo Arredondado 11">
-            <a:extLst>
-              <a:ext uri="{FF2B5EF4-FFF2-40B4-BE49-F238E27FC236}">
-                <a16:creationId xmlns:a16="http://schemas.microsoft.com/office/drawing/2014/main" id="{8680DF7F-E409-3F41-82F4-1209F6361775}"/>
+      <p:cxnSp>
+        <p:nvCxnSpPr>
+          <p:cNvPr id="9" name="Conector Reto 8">
+            <a:extLst>
+              <a:ext uri="{FF2B5EF4-FFF2-40B4-BE49-F238E27FC236}">
+                <a16:creationId xmlns:a16="http://schemas.microsoft.com/office/drawing/2014/main" id="{FD451193-B93C-0945-9A97-B1F412F3F349}"/>
+              </a:ext>
+            </a:extLst>
+          </p:cNvPr>
+          <p:cNvCxnSpPr>
+            <a:cxnSpLocks/>
+            <a:stCxn id="5" idx="3"/>
+            <a:endCxn id="6" idx="1"/>
+          </p:cNvCxnSpPr>
+          <p:nvPr/>
+        </p:nvCxnSpPr>
+        <p:spPr>
+          <a:xfrm>
+            <a:off x="2436712" y="3369607"/>
+            <a:ext cx="596115" cy="0"/>
+          </a:xfrm>
+          <a:prstGeom prst="line">
+            <a:avLst/>
+          </a:prstGeom>
+          <a:ln w="38100">
+            <a:solidFill>
+              <a:schemeClr val="tx2">
+                <a:lumMod val="75000"/>
+              </a:schemeClr>
+            </a:solidFill>
+          </a:ln>
+        </p:spPr>
+        <p:style>
+          <a:lnRef idx="1">
+            <a:schemeClr val="accent1"/>
+          </a:lnRef>
+          <a:fillRef idx="0">
+            <a:schemeClr val="accent1"/>
+          </a:fillRef>
+          <a:effectRef idx="0">
+            <a:schemeClr val="accent1"/>
+          </a:effectRef>
+          <a:fontRef idx="minor">
+            <a:schemeClr val="tx1"/>
+          </a:fontRef>
+        </p:style>
+      </p:cxnSp>
+      <p:sp>
+        <p:nvSpPr>
+          <p:cNvPr id="13" name="Retângulo Arredondado 12">
+            <a:extLst>
+              <a:ext uri="{FF2B5EF4-FFF2-40B4-BE49-F238E27FC236}">
+                <a16:creationId xmlns:a16="http://schemas.microsoft.com/office/drawing/2014/main" id="{23CAF0DB-0525-F64A-AA88-66045058987D}"/>
               </a:ext>
             </a:extLst>
           </p:cNvPr>
@@ -4278,22 +4806,25 @@
         </p:nvSpPr>
         <p:spPr>
           <a:xfrm>
-            <a:off x="2261259" y="4663982"/>
-            <a:ext cx="1987324" cy="573768"/>
+            <a:off x="314508" y="5541981"/>
+            <a:ext cx="1987324" cy="739348"/>
           </a:xfrm>
           <a:prstGeom prst="roundRect">
             <a:avLst>
-              <a:gd name="adj" fmla="val 23698"/>
+              <a:gd name="adj" fmla="val 50000"/>
             </a:avLst>
           </a:prstGeom>
           <a:solidFill>
-            <a:schemeClr val="accent4">
-              <a:lumMod val="60000"/>
-              <a:lumOff val="40000"/>
+            <a:schemeClr val="tx2">
+              <a:lumMod val="75000"/>
             </a:schemeClr>
           </a:solidFill>
           <a:ln>
-            <a:noFill/>
+            <a:solidFill>
+              <a:schemeClr val="tx2">
+                <a:lumMod val="75000"/>
+              </a:schemeClr>
+            </a:solidFill>
           </a:ln>
         </p:spPr>
         <p:style>
@@ -4320,20 +4851,69 @@
             <a:r>
               <a:rPr lang="pt-BR" dirty="0">
                 <a:solidFill>
-                  <a:sysClr val="windowText" lastClr="000000"/>
+                  <a:schemeClr val="bg1"/>
                 </a:solidFill>
+                <a:latin typeface="Kohinoor Devanagari Light" panose="02000000000000000000" pitchFamily="2" charset="77"/>
+                <a:cs typeface="Kohinoor Devanagari Light" panose="02000000000000000000" pitchFamily="2" charset="77"/>
               </a:rPr>
-              <a:t>IMPRIMIR TICKET</a:t>
-            </a:r>
-          </a:p>
-        </p:txBody>
-      </p:sp>
-      <p:sp>
-        <p:nvSpPr>
-          <p:cNvPr id="13" name="Retângulo Arredondado 12">
-            <a:extLst>
-              <a:ext uri="{FF2B5EF4-FFF2-40B4-BE49-F238E27FC236}">
-                <a16:creationId xmlns:a16="http://schemas.microsoft.com/office/drawing/2014/main" id="{5CBAD4FF-EEB3-E84B-A049-78C8086C5DE3}"/>
+              <a:t>FAZER LEITURA DO TICKET</a:t>
+            </a:r>
+          </a:p>
+        </p:txBody>
+      </p:sp>
+      <p:cxnSp>
+        <p:nvCxnSpPr>
+          <p:cNvPr id="14" name="Conector Reto 13">
+            <a:extLst>
+              <a:ext uri="{FF2B5EF4-FFF2-40B4-BE49-F238E27FC236}">
+                <a16:creationId xmlns:a16="http://schemas.microsoft.com/office/drawing/2014/main" id="{31EDF151-65DE-8844-9195-227F450D45A8}"/>
+              </a:ext>
+            </a:extLst>
+          </p:cNvPr>
+          <p:cNvCxnSpPr>
+            <a:cxnSpLocks/>
+            <a:stCxn id="13" idx="0"/>
+            <a:endCxn id="5" idx="2"/>
+          </p:cNvCxnSpPr>
+          <p:nvPr/>
+        </p:nvCxnSpPr>
+        <p:spPr>
+          <a:xfrm flipV="1">
+            <a:off x="1308170" y="4086152"/>
+            <a:ext cx="0" cy="1455829"/>
+          </a:xfrm>
+          <a:prstGeom prst="line">
+            <a:avLst/>
+          </a:prstGeom>
+          <a:ln w="38100">
+            <a:solidFill>
+              <a:schemeClr val="tx2">
+                <a:lumMod val="75000"/>
+              </a:schemeClr>
+            </a:solidFill>
+          </a:ln>
+        </p:spPr>
+        <p:style>
+          <a:lnRef idx="1">
+            <a:schemeClr val="accent1"/>
+          </a:lnRef>
+          <a:fillRef idx="0">
+            <a:schemeClr val="accent1"/>
+          </a:fillRef>
+          <a:effectRef idx="0">
+            <a:schemeClr val="accent1"/>
+          </a:effectRef>
+          <a:fontRef idx="minor">
+            <a:schemeClr val="tx1"/>
+          </a:fontRef>
+        </p:style>
+      </p:cxnSp>
+      <p:sp>
+        <p:nvSpPr>
+          <p:cNvPr id="23" name="Retângulo Arredondado 22">
+            <a:extLst>
+              <a:ext uri="{FF2B5EF4-FFF2-40B4-BE49-F238E27FC236}">
+                <a16:creationId xmlns:a16="http://schemas.microsoft.com/office/drawing/2014/main" id="{A4F7A0BA-AE93-F243-9877-9C68E515E271}"/>
               </a:ext>
             </a:extLst>
           </p:cNvPr>
@@ -4342,22 +4922,25 @@
         </p:nvSpPr>
         <p:spPr>
           <a:xfrm>
-            <a:off x="4934384" y="4418734"/>
-            <a:ext cx="2699470" cy="1015650"/>
+            <a:off x="8819559" y="1341307"/>
+            <a:ext cx="1987324" cy="1071675"/>
           </a:xfrm>
           <a:prstGeom prst="roundRect">
             <a:avLst>
-              <a:gd name="adj" fmla="val 23698"/>
+              <a:gd name="adj" fmla="val 50000"/>
             </a:avLst>
           </a:prstGeom>
           <a:solidFill>
-            <a:schemeClr val="accent4">
-              <a:lumMod val="60000"/>
-              <a:lumOff val="40000"/>
+            <a:schemeClr val="tx2">
+              <a:lumMod val="75000"/>
             </a:schemeClr>
           </a:solidFill>
           <a:ln>
-            <a:noFill/>
+            <a:solidFill>
+              <a:schemeClr val="tx2">
+                <a:lumMod val="75000"/>
+              </a:schemeClr>
+            </a:solidFill>
           </a:ln>
         </p:spPr>
         <p:style>
@@ -4384,20 +4967,69 @@
             <a:r>
               <a:rPr lang="pt-BR" dirty="0">
                 <a:solidFill>
-                  <a:sysClr val="windowText" lastClr="000000"/>
+                  <a:schemeClr val="bg1"/>
                 </a:solidFill>
+                <a:latin typeface="Kohinoor Devanagari Light" panose="02000000000000000000" pitchFamily="2" charset="77"/>
+                <a:cs typeface="Kohinoor Devanagari Light" panose="02000000000000000000" pitchFamily="2" charset="77"/>
               </a:rPr>
-              <a:t>REGISTRAR ENTRADA (DATA/HORA)</a:t>
-            </a:r>
-          </a:p>
-        </p:txBody>
-      </p:sp>
-      <p:sp>
-        <p:nvSpPr>
-          <p:cNvPr id="14" name="Retângulo Arredondado 13">
-            <a:extLst>
-              <a:ext uri="{FF2B5EF4-FFF2-40B4-BE49-F238E27FC236}">
-                <a16:creationId xmlns:a16="http://schemas.microsoft.com/office/drawing/2014/main" id="{8A1D04C6-1427-AA4F-B5AC-4DB980B4963E}"/>
+              <a:t>OBTER DATA/HORA (ENTRADA)</a:t>
+            </a:r>
+          </a:p>
+        </p:txBody>
+      </p:sp>
+      <p:cxnSp>
+        <p:nvCxnSpPr>
+          <p:cNvPr id="24" name="Conector Reto 23">
+            <a:extLst>
+              <a:ext uri="{FF2B5EF4-FFF2-40B4-BE49-F238E27FC236}">
+                <a16:creationId xmlns:a16="http://schemas.microsoft.com/office/drawing/2014/main" id="{73DD8D86-DA1E-0B41-8786-7810B2DE4F8A}"/>
+              </a:ext>
+            </a:extLst>
+          </p:cNvPr>
+          <p:cNvCxnSpPr>
+            <a:cxnSpLocks/>
+            <a:stCxn id="57" idx="3"/>
+            <a:endCxn id="23" idx="1"/>
+          </p:cNvCxnSpPr>
+          <p:nvPr/>
+        </p:nvCxnSpPr>
+        <p:spPr>
+          <a:xfrm flipV="1">
+            <a:off x="6096000" y="1877145"/>
+            <a:ext cx="2723559" cy="2771011"/>
+          </a:xfrm>
+          <a:prstGeom prst="line">
+            <a:avLst/>
+          </a:prstGeom>
+          <a:ln w="38100">
+            <a:solidFill>
+              <a:schemeClr val="tx2">
+                <a:lumMod val="75000"/>
+              </a:schemeClr>
+            </a:solidFill>
+          </a:ln>
+        </p:spPr>
+        <p:style>
+          <a:lnRef idx="1">
+            <a:schemeClr val="accent1"/>
+          </a:lnRef>
+          <a:fillRef idx="0">
+            <a:schemeClr val="accent1"/>
+          </a:fillRef>
+          <a:effectRef idx="0">
+            <a:schemeClr val="accent1"/>
+          </a:effectRef>
+          <a:fontRef idx="minor">
+            <a:schemeClr val="tx1"/>
+          </a:fontRef>
+        </p:style>
+      </p:cxnSp>
+      <p:sp>
+        <p:nvSpPr>
+          <p:cNvPr id="35" name="Retângulo Arredondado 34">
+            <a:extLst>
+              <a:ext uri="{FF2B5EF4-FFF2-40B4-BE49-F238E27FC236}">
+                <a16:creationId xmlns:a16="http://schemas.microsoft.com/office/drawing/2014/main" id="{0DA40924-21FA-9749-9F32-974EC53636BE}"/>
               </a:ext>
             </a:extLst>
           </p:cNvPr>
@@ -4406,22 +5038,25 @@
         </p:nvSpPr>
         <p:spPr>
           <a:xfrm>
-            <a:off x="4934383" y="5651788"/>
-            <a:ext cx="2699471" cy="996063"/>
+            <a:off x="8127297" y="5645594"/>
+            <a:ext cx="2679586" cy="739348"/>
           </a:xfrm>
           <a:prstGeom prst="roundRect">
             <a:avLst>
-              <a:gd name="adj" fmla="val 23698"/>
+              <a:gd name="adj" fmla="val 50000"/>
             </a:avLst>
           </a:prstGeom>
           <a:solidFill>
-            <a:schemeClr val="accent4">
-              <a:lumMod val="60000"/>
-              <a:lumOff val="40000"/>
+            <a:schemeClr val="tx2">
+              <a:lumMod val="75000"/>
             </a:schemeClr>
           </a:solidFill>
           <a:ln>
-            <a:noFill/>
+            <a:solidFill>
+              <a:schemeClr val="tx2">
+                <a:lumMod val="75000"/>
+              </a:schemeClr>
+            </a:solidFill>
           </a:ln>
         </p:spPr>
         <p:style>
@@ -4448,20 +5083,69 @@
             <a:r>
               <a:rPr lang="pt-BR" dirty="0">
                 <a:solidFill>
-                  <a:sysClr val="windowText" lastClr="000000"/>
+                  <a:schemeClr val="bg1"/>
                 </a:solidFill>
+                <a:latin typeface="Kohinoor Devanagari Light" panose="02000000000000000000" pitchFamily="2" charset="77"/>
+                <a:cs typeface="Kohinoor Devanagari Light" panose="02000000000000000000" pitchFamily="2" charset="77"/>
               </a:rPr>
-              <a:t>REGISTRA MARCA, MODELO, PLACA E COR DO VEICULO</a:t>
-            </a:r>
-          </a:p>
-        </p:txBody>
-      </p:sp>
-      <p:sp>
-        <p:nvSpPr>
-          <p:cNvPr id="15" name="Retângulo Arredondado 14">
-            <a:extLst>
-              <a:ext uri="{FF2B5EF4-FFF2-40B4-BE49-F238E27FC236}">
-                <a16:creationId xmlns:a16="http://schemas.microsoft.com/office/drawing/2014/main" id="{A83FBDAF-CBC6-B742-82DA-997E870AE65D}"/>
+              <a:t>APURAR VALOR TOTAL A PAGAR</a:t>
+            </a:r>
+          </a:p>
+        </p:txBody>
+      </p:sp>
+      <p:cxnSp>
+        <p:nvCxnSpPr>
+          <p:cNvPr id="36" name="Conector Reto 35">
+            <a:extLst>
+              <a:ext uri="{FF2B5EF4-FFF2-40B4-BE49-F238E27FC236}">
+                <a16:creationId xmlns:a16="http://schemas.microsoft.com/office/drawing/2014/main" id="{3FC79C42-D0AC-AB44-AFCC-D38DCBDDF8DA}"/>
+              </a:ext>
+            </a:extLst>
+          </p:cNvPr>
+          <p:cNvCxnSpPr>
+            <a:cxnSpLocks/>
+            <a:stCxn id="35" idx="1"/>
+            <a:endCxn id="57" idx="3"/>
+          </p:cNvCxnSpPr>
+          <p:nvPr/>
+        </p:nvCxnSpPr>
+        <p:spPr>
+          <a:xfrm flipH="1" flipV="1">
+            <a:off x="6096000" y="4648156"/>
+            <a:ext cx="2031297" cy="1367112"/>
+          </a:xfrm>
+          <a:prstGeom prst="line">
+            <a:avLst/>
+          </a:prstGeom>
+          <a:ln w="38100">
+            <a:solidFill>
+              <a:schemeClr val="tx2">
+                <a:lumMod val="75000"/>
+              </a:schemeClr>
+            </a:solidFill>
+          </a:ln>
+        </p:spPr>
+        <p:style>
+          <a:lnRef idx="1">
+            <a:schemeClr val="accent1"/>
+          </a:lnRef>
+          <a:fillRef idx="0">
+            <a:schemeClr val="accent1"/>
+          </a:fillRef>
+          <a:effectRef idx="0">
+            <a:schemeClr val="accent1"/>
+          </a:effectRef>
+          <a:fontRef idx="minor">
+            <a:schemeClr val="tx1"/>
+          </a:fontRef>
+        </p:style>
+      </p:cxnSp>
+      <p:sp>
+        <p:nvSpPr>
+          <p:cNvPr id="33" name="Retângulo Arredondado 32">
+            <a:extLst>
+              <a:ext uri="{FF2B5EF4-FFF2-40B4-BE49-F238E27FC236}">
+                <a16:creationId xmlns:a16="http://schemas.microsoft.com/office/drawing/2014/main" id="{21CA8C83-6ED8-7C40-8FF9-A1435D232AEF}"/>
               </a:ext>
             </a:extLst>
           </p:cNvPr>
@@ -4470,22 +5154,25 @@
         </p:nvSpPr>
         <p:spPr>
           <a:xfrm>
-            <a:off x="5013552" y="3627562"/>
-            <a:ext cx="2620302" cy="573768"/>
+            <a:off x="8371919" y="3805700"/>
+            <a:ext cx="2882605" cy="716545"/>
           </a:xfrm>
           <a:prstGeom prst="roundRect">
             <a:avLst>
-              <a:gd name="adj" fmla="val 23698"/>
+              <a:gd name="adj" fmla="val 50000"/>
             </a:avLst>
           </a:prstGeom>
           <a:solidFill>
-            <a:schemeClr val="accent4">
-              <a:lumMod val="60000"/>
-              <a:lumOff val="40000"/>
+            <a:schemeClr val="tx2">
+              <a:lumMod val="75000"/>
             </a:schemeClr>
           </a:solidFill>
           <a:ln>
-            <a:noFill/>
+            <a:solidFill>
+              <a:schemeClr val="tx2">
+                <a:lumMod val="75000"/>
+              </a:schemeClr>
+            </a:solidFill>
           </a:ln>
         </p:spPr>
         <p:style>
@@ -4512,18 +5199,531 @@
             <a:r>
               <a:rPr lang="pt-BR" dirty="0">
                 <a:solidFill>
-                  <a:sysClr val="windowText" lastClr="000000"/>
+                  <a:schemeClr val="bg1"/>
                 </a:solidFill>
+                <a:latin typeface="Kohinoor Devanagari Light" panose="02000000000000000000" pitchFamily="2" charset="77"/>
+                <a:cs typeface="Kohinoor Devanagari Light" panose="02000000000000000000" pitchFamily="2" charset="77"/>
               </a:rPr>
-              <a:t>GERAR NUM. TICKET </a:t>
-            </a:r>
-          </a:p>
-        </p:txBody>
-      </p:sp>
+              <a:t>APURAR HORAS DE PERMANÊNCIA</a:t>
+            </a:r>
+          </a:p>
+        </p:txBody>
+      </p:sp>
+      <p:cxnSp>
+        <p:nvCxnSpPr>
+          <p:cNvPr id="34" name="Conector Reto 33">
+            <a:extLst>
+              <a:ext uri="{FF2B5EF4-FFF2-40B4-BE49-F238E27FC236}">
+                <a16:creationId xmlns:a16="http://schemas.microsoft.com/office/drawing/2014/main" id="{DFCC666B-BB2E-DE4A-B168-3876B77A8BBC}"/>
+              </a:ext>
+            </a:extLst>
+          </p:cNvPr>
+          <p:cNvCxnSpPr>
+            <a:cxnSpLocks/>
+            <a:stCxn id="33" idx="1"/>
+            <a:endCxn id="57" idx="3"/>
+          </p:cNvCxnSpPr>
+          <p:nvPr/>
+        </p:nvCxnSpPr>
+        <p:spPr>
+          <a:xfrm flipH="1">
+            <a:off x="6096000" y="4163973"/>
+            <a:ext cx="2275919" cy="484183"/>
+          </a:xfrm>
+          <a:prstGeom prst="line">
+            <a:avLst/>
+          </a:prstGeom>
+          <a:ln w="38100">
+            <a:solidFill>
+              <a:schemeClr val="tx2">
+                <a:lumMod val="75000"/>
+              </a:schemeClr>
+            </a:solidFill>
+          </a:ln>
+        </p:spPr>
+        <p:style>
+          <a:lnRef idx="1">
+            <a:schemeClr val="accent1"/>
+          </a:lnRef>
+          <a:fillRef idx="0">
+            <a:schemeClr val="accent1"/>
+          </a:fillRef>
+          <a:effectRef idx="0">
+            <a:schemeClr val="accent1"/>
+          </a:effectRef>
+          <a:fontRef idx="minor">
+            <a:schemeClr val="tx1"/>
+          </a:fontRef>
+        </p:style>
+      </p:cxnSp>
+      <p:sp>
+        <p:nvSpPr>
+          <p:cNvPr id="41" name="Retângulo Arredondado 40">
+            <a:extLst>
+              <a:ext uri="{FF2B5EF4-FFF2-40B4-BE49-F238E27FC236}">
+                <a16:creationId xmlns:a16="http://schemas.microsoft.com/office/drawing/2014/main" id="{5B60E4A1-BC1D-724F-974D-5CCEF127BD63}"/>
+              </a:ext>
+            </a:extLst>
+          </p:cNvPr>
+          <p:cNvSpPr/>
+          <p:nvPr/>
+        </p:nvSpPr>
+        <p:spPr>
+          <a:xfrm>
+            <a:off x="8230441" y="4690036"/>
+            <a:ext cx="2989284" cy="739348"/>
+          </a:xfrm>
+          <a:prstGeom prst="roundRect">
+            <a:avLst>
+              <a:gd name="adj" fmla="val 50000"/>
+            </a:avLst>
+          </a:prstGeom>
+          <a:solidFill>
+            <a:schemeClr val="tx2">
+              <a:lumMod val="75000"/>
+            </a:schemeClr>
+          </a:solidFill>
+          <a:ln>
+            <a:solidFill>
+              <a:schemeClr val="tx2">
+                <a:lumMod val="75000"/>
+              </a:schemeClr>
+            </a:solidFill>
+          </a:ln>
+        </p:spPr>
+        <p:style>
+          <a:lnRef idx="2">
+            <a:schemeClr val="accent1">
+              <a:shade val="50000"/>
+            </a:schemeClr>
+          </a:lnRef>
+          <a:fillRef idx="1">
+            <a:schemeClr val="accent1"/>
+          </a:fillRef>
+          <a:effectRef idx="0">
+            <a:schemeClr val="accent1"/>
+          </a:effectRef>
+          <a:fontRef idx="minor">
+            <a:schemeClr val="lt1"/>
+          </a:fontRef>
+        </p:style>
+        <p:txBody>
+          <a:bodyPr rtlCol="0" anchor="ctr"/>
+          <a:lstStyle/>
+          <a:p>
+            <a:pPr algn="ctr"/>
+            <a:r>
+              <a:rPr lang="pt-BR" dirty="0">
+                <a:solidFill>
+                  <a:schemeClr val="bg1"/>
+                </a:solidFill>
+                <a:latin typeface="Kohinoor Devanagari Light" panose="02000000000000000000" pitchFamily="2" charset="77"/>
+                <a:cs typeface="Kohinoor Devanagari Light" panose="02000000000000000000" pitchFamily="2" charset="77"/>
+              </a:rPr>
+              <a:t>RECUPERAR TAXA/HORA NO PERÍODO</a:t>
+            </a:r>
+          </a:p>
+        </p:txBody>
+      </p:sp>
+      <p:cxnSp>
+        <p:nvCxnSpPr>
+          <p:cNvPr id="42" name="Conector Reto 41">
+            <a:extLst>
+              <a:ext uri="{FF2B5EF4-FFF2-40B4-BE49-F238E27FC236}">
+                <a16:creationId xmlns:a16="http://schemas.microsoft.com/office/drawing/2014/main" id="{C38F70C7-7290-4642-B33D-445411A3141D}"/>
+              </a:ext>
+            </a:extLst>
+          </p:cNvPr>
+          <p:cNvCxnSpPr>
+            <a:cxnSpLocks/>
+            <a:stCxn id="41" idx="1"/>
+            <a:endCxn id="57" idx="3"/>
+          </p:cNvCxnSpPr>
+          <p:nvPr/>
+        </p:nvCxnSpPr>
+        <p:spPr>
+          <a:xfrm flipH="1" flipV="1">
+            <a:off x="6096000" y="4648156"/>
+            <a:ext cx="2134441" cy="411554"/>
+          </a:xfrm>
+          <a:prstGeom prst="line">
+            <a:avLst/>
+          </a:prstGeom>
+          <a:ln w="38100">
+            <a:solidFill>
+              <a:schemeClr val="tx2">
+                <a:lumMod val="75000"/>
+              </a:schemeClr>
+            </a:solidFill>
+          </a:ln>
+        </p:spPr>
+        <p:style>
+          <a:lnRef idx="1">
+            <a:schemeClr val="accent1"/>
+          </a:lnRef>
+          <a:fillRef idx="0">
+            <a:schemeClr val="accent1"/>
+          </a:fillRef>
+          <a:effectRef idx="0">
+            <a:schemeClr val="accent1"/>
+          </a:effectRef>
+          <a:fontRef idx="minor">
+            <a:schemeClr val="tx1"/>
+          </a:fontRef>
+        </p:style>
+      </p:cxnSp>
+      <p:sp>
+        <p:nvSpPr>
+          <p:cNvPr id="53" name="Retângulo Arredondado 52">
+            <a:extLst>
+              <a:ext uri="{FF2B5EF4-FFF2-40B4-BE49-F238E27FC236}">
+                <a16:creationId xmlns:a16="http://schemas.microsoft.com/office/drawing/2014/main" id="{72A8D828-D236-F744-9B5D-8A52596D1929}"/>
+              </a:ext>
+            </a:extLst>
+          </p:cNvPr>
+          <p:cNvSpPr/>
+          <p:nvPr/>
+        </p:nvSpPr>
+        <p:spPr>
+          <a:xfrm>
+            <a:off x="3695860" y="1667478"/>
+            <a:ext cx="2447847" cy="745504"/>
+          </a:xfrm>
+          <a:prstGeom prst="roundRect">
+            <a:avLst>
+              <a:gd name="adj" fmla="val 50000"/>
+            </a:avLst>
+          </a:prstGeom>
+          <a:solidFill>
+            <a:schemeClr val="tx2">
+              <a:lumMod val="75000"/>
+            </a:schemeClr>
+          </a:solidFill>
+          <a:ln>
+            <a:solidFill>
+              <a:schemeClr val="tx2">
+                <a:lumMod val="75000"/>
+              </a:schemeClr>
+            </a:solidFill>
+          </a:ln>
+        </p:spPr>
+        <p:style>
+          <a:lnRef idx="2">
+            <a:schemeClr val="accent1">
+              <a:shade val="50000"/>
+            </a:schemeClr>
+          </a:lnRef>
+          <a:fillRef idx="1">
+            <a:schemeClr val="accent1"/>
+          </a:fillRef>
+          <a:effectRef idx="0">
+            <a:schemeClr val="accent1"/>
+          </a:effectRef>
+          <a:fontRef idx="minor">
+            <a:schemeClr val="lt1"/>
+          </a:fontRef>
+        </p:style>
+        <p:txBody>
+          <a:bodyPr rtlCol="0" anchor="ctr"/>
+          <a:lstStyle/>
+          <a:p>
+            <a:pPr algn="ctr"/>
+            <a:r>
+              <a:rPr lang="pt-BR" dirty="0">
+                <a:solidFill>
+                  <a:schemeClr val="bg1"/>
+                </a:solidFill>
+                <a:latin typeface="Kohinoor Devanagari Light" panose="02000000000000000000" pitchFamily="2" charset="77"/>
+                <a:cs typeface="Kohinoor Devanagari Light" panose="02000000000000000000" pitchFamily="2" charset="77"/>
+              </a:rPr>
+              <a:t>EFFETUAR OP. FINANCEIRA</a:t>
+            </a:r>
+          </a:p>
+        </p:txBody>
+      </p:sp>
+      <p:cxnSp>
+        <p:nvCxnSpPr>
+          <p:cNvPr id="54" name="Conector Reto 53">
+            <a:extLst>
+              <a:ext uri="{FF2B5EF4-FFF2-40B4-BE49-F238E27FC236}">
+                <a16:creationId xmlns:a16="http://schemas.microsoft.com/office/drawing/2014/main" id="{C7DE5026-A5D6-A74B-BC7A-F3866366E1F7}"/>
+              </a:ext>
+            </a:extLst>
+          </p:cNvPr>
+          <p:cNvCxnSpPr>
+            <a:cxnSpLocks/>
+            <a:stCxn id="53" idx="1"/>
+            <a:endCxn id="6" idx="0"/>
+          </p:cNvCxnSpPr>
+          <p:nvPr/>
+        </p:nvCxnSpPr>
+        <p:spPr>
+          <a:xfrm>
+            <a:off x="3695860" y="2040230"/>
+            <a:ext cx="1" cy="1042493"/>
+          </a:xfrm>
+          <a:prstGeom prst="line">
+            <a:avLst/>
+          </a:prstGeom>
+          <a:ln w="38100">
+            <a:solidFill>
+              <a:schemeClr val="tx2">
+                <a:lumMod val="75000"/>
+              </a:schemeClr>
+            </a:solidFill>
+          </a:ln>
+        </p:spPr>
+        <p:style>
+          <a:lnRef idx="1">
+            <a:schemeClr val="accent1"/>
+          </a:lnRef>
+          <a:fillRef idx="0">
+            <a:schemeClr val="accent1"/>
+          </a:fillRef>
+          <a:effectRef idx="0">
+            <a:schemeClr val="accent1"/>
+          </a:effectRef>
+          <a:fontRef idx="minor">
+            <a:schemeClr val="tx1"/>
+          </a:fontRef>
+        </p:style>
+      </p:cxnSp>
+      <p:sp>
+        <p:nvSpPr>
+          <p:cNvPr id="57" name="Retângulo Arredondado 56">
+            <a:extLst>
+              <a:ext uri="{FF2B5EF4-FFF2-40B4-BE49-F238E27FC236}">
+                <a16:creationId xmlns:a16="http://schemas.microsoft.com/office/drawing/2014/main" id="{D721191C-E546-2B41-BF67-CE16E412A150}"/>
+              </a:ext>
+            </a:extLst>
+          </p:cNvPr>
+          <p:cNvSpPr/>
+          <p:nvPr/>
+        </p:nvSpPr>
+        <p:spPr>
+          <a:xfrm>
+            <a:off x="3648153" y="4373036"/>
+            <a:ext cx="2447847" cy="550240"/>
+          </a:xfrm>
+          <a:prstGeom prst="roundRect">
+            <a:avLst>
+              <a:gd name="adj" fmla="val 50000"/>
+            </a:avLst>
+          </a:prstGeom>
+          <a:solidFill>
+            <a:schemeClr val="tx2">
+              <a:lumMod val="75000"/>
+            </a:schemeClr>
+          </a:solidFill>
+          <a:ln>
+            <a:solidFill>
+              <a:schemeClr val="tx2">
+                <a:lumMod val="75000"/>
+              </a:schemeClr>
+            </a:solidFill>
+          </a:ln>
+        </p:spPr>
+        <p:style>
+          <a:lnRef idx="2">
+            <a:schemeClr val="accent1">
+              <a:shade val="50000"/>
+            </a:schemeClr>
+          </a:lnRef>
+          <a:fillRef idx="1">
+            <a:schemeClr val="accent1"/>
+          </a:fillRef>
+          <a:effectRef idx="0">
+            <a:schemeClr val="accent1"/>
+          </a:effectRef>
+          <a:fontRef idx="minor">
+            <a:schemeClr val="lt1"/>
+          </a:fontRef>
+        </p:style>
+        <p:txBody>
+          <a:bodyPr rtlCol="0" anchor="ctr"/>
+          <a:lstStyle/>
+          <a:p>
+            <a:pPr algn="ctr"/>
+            <a:r>
+              <a:rPr lang="pt-BR" dirty="0">
+                <a:solidFill>
+                  <a:schemeClr val="bg1"/>
+                </a:solidFill>
+                <a:latin typeface="Kohinoor Devanagari Light" panose="02000000000000000000" pitchFamily="2" charset="77"/>
+                <a:cs typeface="Kohinoor Devanagari Light" panose="02000000000000000000" pitchFamily="2" charset="77"/>
+              </a:rPr>
+              <a:t>CALCULAR ESTADIA</a:t>
+            </a:r>
+          </a:p>
+        </p:txBody>
+      </p:sp>
+      <p:cxnSp>
+        <p:nvCxnSpPr>
+          <p:cNvPr id="59" name="Conector Reto 58">
+            <a:extLst>
+              <a:ext uri="{FF2B5EF4-FFF2-40B4-BE49-F238E27FC236}">
+                <a16:creationId xmlns:a16="http://schemas.microsoft.com/office/drawing/2014/main" id="{61AFE43D-F795-7A44-900A-6487C21042CA}"/>
+              </a:ext>
+            </a:extLst>
+          </p:cNvPr>
+          <p:cNvCxnSpPr>
+            <a:cxnSpLocks/>
+            <a:stCxn id="57" idx="1"/>
+            <a:endCxn id="6" idx="2"/>
+          </p:cNvCxnSpPr>
+          <p:nvPr/>
+        </p:nvCxnSpPr>
+        <p:spPr>
+          <a:xfrm flipV="1">
+            <a:off x="3648153" y="3656491"/>
+            <a:ext cx="47708" cy="991665"/>
+          </a:xfrm>
+          <a:prstGeom prst="line">
+            <a:avLst/>
+          </a:prstGeom>
+          <a:ln w="38100">
+            <a:solidFill>
+              <a:schemeClr val="tx2">
+                <a:lumMod val="75000"/>
+              </a:schemeClr>
+            </a:solidFill>
+          </a:ln>
+        </p:spPr>
+        <p:style>
+          <a:lnRef idx="1">
+            <a:schemeClr val="accent1"/>
+          </a:lnRef>
+          <a:fillRef idx="0">
+            <a:schemeClr val="accent1"/>
+          </a:fillRef>
+          <a:effectRef idx="0">
+            <a:schemeClr val="accent1"/>
+          </a:effectRef>
+          <a:fontRef idx="minor">
+            <a:schemeClr val="tx1"/>
+          </a:fontRef>
+        </p:style>
+      </p:cxnSp>
+      <p:sp>
+        <p:nvSpPr>
+          <p:cNvPr id="101" name="Retângulo Arredondado 100">
+            <a:extLst>
+              <a:ext uri="{FF2B5EF4-FFF2-40B4-BE49-F238E27FC236}">
+                <a16:creationId xmlns:a16="http://schemas.microsoft.com/office/drawing/2014/main" id="{3E24D2F3-471A-A64E-BF2B-C45B30107298}"/>
+              </a:ext>
+            </a:extLst>
+          </p:cNvPr>
+          <p:cNvSpPr/>
+          <p:nvPr/>
+        </p:nvSpPr>
+        <p:spPr>
+          <a:xfrm>
+            <a:off x="8819559" y="2561476"/>
+            <a:ext cx="1987324" cy="1071675"/>
+          </a:xfrm>
+          <a:prstGeom prst="roundRect">
+            <a:avLst>
+              <a:gd name="adj" fmla="val 50000"/>
+            </a:avLst>
+          </a:prstGeom>
+          <a:solidFill>
+            <a:schemeClr val="tx2">
+              <a:lumMod val="75000"/>
+            </a:schemeClr>
+          </a:solidFill>
+          <a:ln>
+            <a:solidFill>
+              <a:schemeClr val="tx2">
+                <a:lumMod val="75000"/>
+              </a:schemeClr>
+            </a:solidFill>
+          </a:ln>
+        </p:spPr>
+        <p:style>
+          <a:lnRef idx="2">
+            <a:schemeClr val="accent1">
+              <a:shade val="50000"/>
+            </a:schemeClr>
+          </a:lnRef>
+          <a:fillRef idx="1">
+            <a:schemeClr val="accent1"/>
+          </a:fillRef>
+          <a:effectRef idx="0">
+            <a:schemeClr val="accent1"/>
+          </a:effectRef>
+          <a:fontRef idx="minor">
+            <a:schemeClr val="lt1"/>
+          </a:fontRef>
+        </p:style>
+        <p:txBody>
+          <a:bodyPr rtlCol="0" anchor="ctr"/>
+          <a:lstStyle/>
+          <a:p>
+            <a:pPr algn="ctr"/>
+            <a:r>
+              <a:rPr lang="pt-BR" dirty="0">
+                <a:solidFill>
+                  <a:schemeClr val="bg1"/>
+                </a:solidFill>
+                <a:latin typeface="Kohinoor Devanagari Light" panose="02000000000000000000" pitchFamily="2" charset="77"/>
+                <a:cs typeface="Kohinoor Devanagari Light" panose="02000000000000000000" pitchFamily="2" charset="77"/>
+              </a:rPr>
+              <a:t>OBTER DATA/HORA (SAIDA)</a:t>
+            </a:r>
+          </a:p>
+        </p:txBody>
+      </p:sp>
+      <p:cxnSp>
+        <p:nvCxnSpPr>
+          <p:cNvPr id="168" name="Conector Reto 167">
+            <a:extLst>
+              <a:ext uri="{FF2B5EF4-FFF2-40B4-BE49-F238E27FC236}">
+                <a16:creationId xmlns:a16="http://schemas.microsoft.com/office/drawing/2014/main" id="{8031F565-7A7B-9144-9251-F49415A06822}"/>
+              </a:ext>
+            </a:extLst>
+          </p:cNvPr>
+          <p:cNvCxnSpPr>
+            <a:cxnSpLocks/>
+            <a:stCxn id="57" idx="3"/>
+            <a:endCxn id="101" idx="1"/>
+          </p:cNvCxnSpPr>
+          <p:nvPr/>
+        </p:nvCxnSpPr>
+        <p:spPr>
+          <a:xfrm flipV="1">
+            <a:off x="6096000" y="3097314"/>
+            <a:ext cx="2723559" cy="1550842"/>
+          </a:xfrm>
+          <a:prstGeom prst="line">
+            <a:avLst/>
+          </a:prstGeom>
+          <a:ln w="38100">
+            <a:solidFill>
+              <a:schemeClr val="tx2">
+                <a:lumMod val="75000"/>
+              </a:schemeClr>
+            </a:solidFill>
+          </a:ln>
+        </p:spPr>
+        <p:style>
+          <a:lnRef idx="1">
+            <a:schemeClr val="accent1"/>
+          </a:lnRef>
+          <a:fillRef idx="0">
+            <a:schemeClr val="accent1"/>
+          </a:fillRef>
+          <a:effectRef idx="0">
+            <a:schemeClr val="accent1"/>
+          </a:effectRef>
+          <a:fontRef idx="minor">
+            <a:schemeClr val="tx1"/>
+          </a:fontRef>
+        </p:style>
+      </p:cxnSp>
     </p:spTree>
     <p:extLst>
       <p:ext uri="{BB962C8B-B14F-4D97-AF65-F5344CB8AC3E}">
-        <p14:creationId xmlns:p14="http://schemas.microsoft.com/office/powerpoint/2010/main" val="1005769317"/>
+        <p14:creationId xmlns:p14="http://schemas.microsoft.com/office/powerpoint/2010/main" val="2668547452"/>
       </p:ext>
     </p:extLst>
   </p:cSld>
